--- a/ppt/웹접근성 문법 체크 - 웹와치(개발).pptx
+++ b/ppt/웹접근성 문법 체크 - 웹와치(개발).pptx
@@ -4631,6 +4631,66 @@
           <a:chExt cx="0" cy="0"/>
         </a:xfrm>
       </p:grpSpPr>
+      <p:pic>
+        <p:nvPicPr>
+          <p:cNvPr id="3" name="그림 2">
+            <a:extLst>
+              <a:ext uri="{FF2B5EF4-FFF2-40B4-BE49-F238E27FC236}">
+                <a16:creationId xmlns:a16="http://schemas.microsoft.com/office/drawing/2014/main" id="{0AC0C81A-A29F-E19A-585E-249B46C1F89A}"/>
+              </a:ext>
+            </a:extLst>
+          </p:cNvPr>
+          <p:cNvPicPr>
+            <a:picLocks noChangeAspect="1"/>
+          </p:cNvPicPr>
+          <p:nvPr/>
+        </p:nvPicPr>
+        <p:blipFill>
+          <a:blip r:embed="rId2"/>
+          <a:stretch>
+            <a:fillRect/>
+          </a:stretch>
+        </p:blipFill>
+        <p:spPr>
+          <a:xfrm>
+            <a:off x="671218" y="1790559"/>
+            <a:ext cx="4220164" cy="2019582"/>
+          </a:xfrm>
+          <a:prstGeom prst="rect">
+            <a:avLst/>
+          </a:prstGeom>
+        </p:spPr>
+      </p:pic>
+      <p:pic>
+        <p:nvPicPr>
+          <p:cNvPr id="5" name="그림 4">
+            <a:extLst>
+              <a:ext uri="{FF2B5EF4-FFF2-40B4-BE49-F238E27FC236}">
+                <a16:creationId xmlns:a16="http://schemas.microsoft.com/office/drawing/2014/main" id="{BCBE34E0-646D-9D6B-A75C-EE5F9CAECAF2}"/>
+              </a:ext>
+            </a:extLst>
+          </p:cNvPr>
+          <p:cNvPicPr>
+            <a:picLocks noChangeAspect="1"/>
+          </p:cNvPicPr>
+          <p:nvPr/>
+        </p:nvPicPr>
+        <p:blipFill>
+          <a:blip r:embed="rId3"/>
+          <a:stretch>
+            <a:fillRect/>
+          </a:stretch>
+        </p:blipFill>
+        <p:spPr>
+          <a:xfrm>
+            <a:off x="6096000" y="195943"/>
+            <a:ext cx="3263928" cy="6858000"/>
+          </a:xfrm>
+          <a:prstGeom prst="rect">
+            <a:avLst/>
+          </a:prstGeom>
+        </p:spPr>
+      </p:pic>
     </p:spTree>
     <p:extLst>
       <p:ext uri="{BB962C8B-B14F-4D97-AF65-F5344CB8AC3E}">
